--- a/Offline/BusinessManagement/Teach_Tech@anodiam/AI_Robotics/CourseMaterial/Youtubing/Prerequisites/01-AI101.pptx
+++ b/Offline/BusinessManagement/Teach_Tech@anodiam/AI_Robotics/CourseMaterial/Youtubing/Prerequisites/01-AI101.pptx
@@ -5,14 +5,15 @@
     <p:sldMasterId id="2147483648" r:id="rId1"/>
   </p:sldMasterIdLst>
   <p:notesMasterIdLst>
-    <p:notesMasterId r:id="rId7"/>
+    <p:notesMasterId r:id="rId8"/>
   </p:notesMasterIdLst>
   <p:sldIdLst>
     <p:sldId id="259" r:id="rId2"/>
     <p:sldId id="262" r:id="rId3"/>
     <p:sldId id="260" r:id="rId4"/>
-    <p:sldId id="264" r:id="rId5"/>
-    <p:sldId id="265" r:id="rId6"/>
+    <p:sldId id="266" r:id="rId5"/>
+    <p:sldId id="264" r:id="rId6"/>
+    <p:sldId id="265" r:id="rId7"/>
   </p:sldIdLst>
   <p:sldSz cx="12192000" cy="6858000"/>
   <p:notesSz cx="6858000" cy="9144000"/>
@@ -201,7 +202,7 @@
           <a:p>
             <a:fld id="{2CD95058-74E9-4340-8093-17691D60A22A}" type="datetimeFigureOut">
               <a:rPr lang="en-US" smtClean="0"/>
-              <a:t>2/16/2024</a:t>
+              <a:t>2/27/2024</a:t>
             </a:fld>
             <a:endParaRPr lang="en-US"/>
           </a:p>
@@ -552,6 +553,114 @@
 </p:notes>
 </file>
 
+<file path=ppt/notesSlides/notesSlide2.xml><?xml version="1.0" encoding="utf-8"?>
+<p:notes xmlns:a="http://schemas.openxmlformats.org/drawingml/2006/main" xmlns:r="http://schemas.openxmlformats.org/officeDocument/2006/relationships" xmlns:p="http://schemas.openxmlformats.org/presentationml/2006/main">
+  <p:cSld>
+    <p:spTree>
+      <p:nvGrpSpPr>
+        <p:cNvPr id="1" name="">
+          <a:extLst>
+            <a:ext uri="{FF2B5EF4-FFF2-40B4-BE49-F238E27FC236}">
+              <a16:creationId xmlns:a16="http://schemas.microsoft.com/office/drawing/2014/main" id="{F674F46C-FACD-E771-E56E-7D890D04C420}"/>
+            </a:ext>
+          </a:extLst>
+        </p:cNvPr>
+        <p:cNvGrpSpPr/>
+        <p:nvPr/>
+      </p:nvGrpSpPr>
+      <p:grpSpPr>
+        <a:xfrm>
+          <a:off x="0" y="0"/>
+          <a:ext cx="0" cy="0"/>
+          <a:chOff x="0" y="0"/>
+          <a:chExt cx="0" cy="0"/>
+        </a:xfrm>
+      </p:grpSpPr>
+      <p:sp>
+        <p:nvSpPr>
+          <p:cNvPr id="2" name="Slide Image Placeholder 1">
+            <a:extLst>
+              <a:ext uri="{FF2B5EF4-FFF2-40B4-BE49-F238E27FC236}">
+                <a16:creationId xmlns:a16="http://schemas.microsoft.com/office/drawing/2014/main" id="{FE7830BA-1332-21D9-8E28-67C79B23D531}"/>
+              </a:ext>
+            </a:extLst>
+          </p:cNvPr>
+          <p:cNvSpPr>
+            <a:spLocks noGrp="1" noRot="1" noChangeAspect="1"/>
+          </p:cNvSpPr>
+          <p:nvPr>
+            <p:ph type="sldImg"/>
+          </p:nvPr>
+        </p:nvSpPr>
+        <p:spPr/>
+      </p:sp>
+      <p:sp>
+        <p:nvSpPr>
+          <p:cNvPr id="3" name="Notes Placeholder 2">
+            <a:extLst>
+              <a:ext uri="{FF2B5EF4-FFF2-40B4-BE49-F238E27FC236}">
+                <a16:creationId xmlns:a16="http://schemas.microsoft.com/office/drawing/2014/main" id="{2396FFD0-3B3C-3515-DEB7-4506BB0F48D4}"/>
+              </a:ext>
+            </a:extLst>
+          </p:cNvPr>
+          <p:cNvSpPr>
+            <a:spLocks noGrp="1"/>
+          </p:cNvSpPr>
+          <p:nvPr>
+            <p:ph type="body" idx="1"/>
+          </p:nvPr>
+        </p:nvSpPr>
+        <p:spPr/>
+        <p:txBody>
+          <a:bodyPr/>
+          <a:lstStyle/>
+          <a:p>
+            <a:endParaRPr lang="en-US" dirty="0"/>
+          </a:p>
+        </p:txBody>
+      </p:sp>
+      <p:sp>
+        <p:nvSpPr>
+          <p:cNvPr id="4" name="Slide Number Placeholder 3">
+            <a:extLst>
+              <a:ext uri="{FF2B5EF4-FFF2-40B4-BE49-F238E27FC236}">
+                <a16:creationId xmlns:a16="http://schemas.microsoft.com/office/drawing/2014/main" id="{2B28D0FA-B6C5-D5B0-9476-8D2764F141E7}"/>
+              </a:ext>
+            </a:extLst>
+          </p:cNvPr>
+          <p:cNvSpPr>
+            <a:spLocks noGrp="1"/>
+          </p:cNvSpPr>
+          <p:nvPr>
+            <p:ph type="sldNum" sz="quarter" idx="5"/>
+          </p:nvPr>
+        </p:nvSpPr>
+        <p:spPr/>
+        <p:txBody>
+          <a:bodyPr/>
+          <a:lstStyle/>
+          <a:p>
+            <a:fld id="{806329E5-A1E5-46A9-A4B3-BD2C8342D082}" type="slidenum">
+              <a:rPr lang="en-US" smtClean="0"/>
+              <a:t>4</a:t>
+            </a:fld>
+            <a:endParaRPr lang="en-US"/>
+          </a:p>
+        </p:txBody>
+      </p:sp>
+    </p:spTree>
+    <p:extLst>
+      <p:ext uri="{BB962C8B-B14F-4D97-AF65-F5344CB8AC3E}">
+        <p14:creationId xmlns:p14="http://schemas.microsoft.com/office/powerpoint/2010/main" val="1624938530"/>
+      </p:ext>
+    </p:extLst>
+  </p:cSld>
+  <p:clrMapOvr>
+    <a:masterClrMapping/>
+  </p:clrMapOvr>
+</p:notes>
+</file>
+
 <file path=ppt/slideLayouts/slideLayout1.xml><?xml version="1.0" encoding="utf-8"?>
 <p:sldLayout xmlns:a="http://schemas.openxmlformats.org/drawingml/2006/main" xmlns:r="http://schemas.openxmlformats.org/officeDocument/2006/relationships" xmlns:p="http://schemas.openxmlformats.org/presentationml/2006/main" type="title" preserve="1">
   <p:cSld name="Title Slide">
@@ -699,7 +808,7 @@
           <a:p>
             <a:fld id="{AF1FA870-610E-4233-AAEB-478922C5345D}" type="datetimeFigureOut">
               <a:rPr lang="en-US" smtClean="0"/>
-              <a:t>2/16/2024</a:t>
+              <a:t>2/27/2024</a:t>
             </a:fld>
             <a:endParaRPr lang="en-US"/>
           </a:p>
@@ -897,7 +1006,7 @@
           <a:p>
             <a:fld id="{AF1FA870-610E-4233-AAEB-478922C5345D}" type="datetimeFigureOut">
               <a:rPr lang="en-US" smtClean="0"/>
-              <a:t>2/16/2024</a:t>
+              <a:t>2/27/2024</a:t>
             </a:fld>
             <a:endParaRPr lang="en-US"/>
           </a:p>
@@ -1105,7 +1214,7 @@
           <a:p>
             <a:fld id="{AF1FA870-610E-4233-AAEB-478922C5345D}" type="datetimeFigureOut">
               <a:rPr lang="en-US" smtClean="0"/>
-              <a:t>2/16/2024</a:t>
+              <a:t>2/27/2024</a:t>
             </a:fld>
             <a:endParaRPr lang="en-US"/>
           </a:p>
@@ -1303,7 +1412,7 @@
           <a:p>
             <a:fld id="{AF1FA870-610E-4233-AAEB-478922C5345D}" type="datetimeFigureOut">
               <a:rPr lang="en-US" smtClean="0"/>
-              <a:t>2/16/2024</a:t>
+              <a:t>2/27/2024</a:t>
             </a:fld>
             <a:endParaRPr lang="en-US"/>
           </a:p>
@@ -1578,7 +1687,7 @@
           <a:p>
             <a:fld id="{AF1FA870-610E-4233-AAEB-478922C5345D}" type="datetimeFigureOut">
               <a:rPr lang="en-US" smtClean="0"/>
-              <a:t>2/16/2024</a:t>
+              <a:t>2/27/2024</a:t>
             </a:fld>
             <a:endParaRPr lang="en-US"/>
           </a:p>
@@ -1843,7 +1952,7 @@
           <a:p>
             <a:fld id="{AF1FA870-610E-4233-AAEB-478922C5345D}" type="datetimeFigureOut">
               <a:rPr lang="en-US" smtClean="0"/>
-              <a:t>2/16/2024</a:t>
+              <a:t>2/27/2024</a:t>
             </a:fld>
             <a:endParaRPr lang="en-US"/>
           </a:p>
@@ -2255,7 +2364,7 @@
           <a:p>
             <a:fld id="{AF1FA870-610E-4233-AAEB-478922C5345D}" type="datetimeFigureOut">
               <a:rPr lang="en-US" smtClean="0"/>
-              <a:t>2/16/2024</a:t>
+              <a:t>2/27/2024</a:t>
             </a:fld>
             <a:endParaRPr lang="en-US"/>
           </a:p>
@@ -2396,7 +2505,7 @@
           <a:p>
             <a:fld id="{AF1FA870-610E-4233-AAEB-478922C5345D}" type="datetimeFigureOut">
               <a:rPr lang="en-US" smtClean="0"/>
-              <a:t>2/16/2024</a:t>
+              <a:t>2/27/2024</a:t>
             </a:fld>
             <a:endParaRPr lang="en-US"/>
           </a:p>
@@ -2509,7 +2618,7 @@
           <a:p>
             <a:fld id="{AF1FA870-610E-4233-AAEB-478922C5345D}" type="datetimeFigureOut">
               <a:rPr lang="en-US" smtClean="0"/>
-              <a:t>2/16/2024</a:t>
+              <a:t>2/27/2024</a:t>
             </a:fld>
             <a:endParaRPr lang="en-US"/>
           </a:p>
@@ -2820,7 +2929,7 @@
           <a:p>
             <a:fld id="{AF1FA870-610E-4233-AAEB-478922C5345D}" type="datetimeFigureOut">
               <a:rPr lang="en-US" smtClean="0"/>
-              <a:t>2/16/2024</a:t>
+              <a:t>2/27/2024</a:t>
             </a:fld>
             <a:endParaRPr lang="en-US"/>
           </a:p>
@@ -3108,7 +3217,7 @@
           <a:p>
             <a:fld id="{AF1FA870-610E-4233-AAEB-478922C5345D}" type="datetimeFigureOut">
               <a:rPr lang="en-US" smtClean="0"/>
-              <a:t>2/16/2024</a:t>
+              <a:t>2/27/2024</a:t>
             </a:fld>
             <a:endParaRPr lang="en-US"/>
           </a:p>
@@ -3349,7 +3458,7 @@
           <a:p>
             <a:fld id="{AF1FA870-610E-4233-AAEB-478922C5345D}" type="datetimeFigureOut">
               <a:rPr lang="en-US" smtClean="0"/>
-              <a:t>2/16/2024</a:t>
+              <a:t>2/27/2024</a:t>
             </a:fld>
             <a:endParaRPr lang="en-US"/>
           </a:p>
@@ -7628,6 +7737,994 @@
         <p:cNvPr id="1" name="">
           <a:extLst>
             <a:ext uri="{FF2B5EF4-FFF2-40B4-BE49-F238E27FC236}">
+              <a16:creationId xmlns:a16="http://schemas.microsoft.com/office/drawing/2014/main" id="{A0FF771D-3ABC-8902-F7BA-3D84945EF172}"/>
+            </a:ext>
+          </a:extLst>
+        </p:cNvPr>
+        <p:cNvGrpSpPr/>
+        <p:nvPr/>
+      </p:nvGrpSpPr>
+      <p:grpSpPr>
+        <a:xfrm>
+          <a:off x="0" y="0"/>
+          <a:ext cx="0" cy="0"/>
+          <a:chOff x="0" y="0"/>
+          <a:chExt cx="0" cy="0"/>
+        </a:xfrm>
+      </p:grpSpPr>
+      <p:sp>
+        <p:nvSpPr>
+          <p:cNvPr id="1027" name="Rectangle 1026">
+            <a:extLst>
+              <a:ext uri="{FF2B5EF4-FFF2-40B4-BE49-F238E27FC236}">
+                <a16:creationId xmlns:a16="http://schemas.microsoft.com/office/drawing/2014/main" id="{FA1F3E05-08D8-4B96-FF8B-F639F00DFDC2}"/>
+              </a:ext>
+            </a:extLst>
+          </p:cNvPr>
+          <p:cNvSpPr/>
+          <p:nvPr/>
+        </p:nvSpPr>
+        <p:spPr>
+          <a:xfrm>
+            <a:off x="1629019" y="5223344"/>
+            <a:ext cx="1993813" cy="1569660"/>
+          </a:xfrm>
+          <a:prstGeom prst="rect">
+            <a:avLst/>
+          </a:prstGeom>
+          <a:solidFill>
+            <a:schemeClr val="bg1">
+              <a:lumMod val="85000"/>
+            </a:schemeClr>
+          </a:solidFill>
+          <a:ln>
+            <a:noFill/>
+          </a:ln>
+        </p:spPr>
+        <p:style>
+          <a:lnRef idx="2">
+            <a:schemeClr val="accent1">
+              <a:shade val="15000"/>
+            </a:schemeClr>
+          </a:lnRef>
+          <a:fillRef idx="1">
+            <a:schemeClr val="accent1"/>
+          </a:fillRef>
+          <a:effectRef idx="0">
+            <a:schemeClr val="accent1"/>
+          </a:effectRef>
+          <a:fontRef idx="minor">
+            <a:schemeClr val="lt1"/>
+          </a:fontRef>
+        </p:style>
+        <p:txBody>
+          <a:bodyPr rtlCol="0" anchor="ctr"/>
+          <a:lstStyle/>
+          <a:p>
+            <a:pPr algn="ctr"/>
+            <a:endParaRPr lang="en-US" dirty="0">
+              <a:solidFill>
+                <a:schemeClr val="accent1">
+                  <a:lumMod val="20000"/>
+                  <a:lumOff val="80000"/>
+                </a:schemeClr>
+              </a:solidFill>
+              <a:latin typeface="Oxygen" panose="02000503000000000000" pitchFamily="2" charset="0"/>
+            </a:endParaRPr>
+          </a:p>
+        </p:txBody>
+      </p:sp>
+      <p:sp>
+        <p:nvSpPr>
+          <p:cNvPr id="1026" name="Rectangle 1025">
+            <a:extLst>
+              <a:ext uri="{FF2B5EF4-FFF2-40B4-BE49-F238E27FC236}">
+                <a16:creationId xmlns:a16="http://schemas.microsoft.com/office/drawing/2014/main" id="{1D6F91CA-68DC-FB0C-2FF3-839602D703C7}"/>
+              </a:ext>
+            </a:extLst>
+          </p:cNvPr>
+          <p:cNvSpPr/>
+          <p:nvPr/>
+        </p:nvSpPr>
+        <p:spPr>
+          <a:xfrm>
+            <a:off x="8124908" y="5777564"/>
+            <a:ext cx="1204025" cy="447835"/>
+          </a:xfrm>
+          <a:prstGeom prst="rect">
+            <a:avLst/>
+          </a:prstGeom>
+          <a:solidFill>
+            <a:schemeClr val="bg1">
+              <a:lumMod val="85000"/>
+            </a:schemeClr>
+          </a:solidFill>
+          <a:ln>
+            <a:noFill/>
+          </a:ln>
+        </p:spPr>
+        <p:style>
+          <a:lnRef idx="2">
+            <a:schemeClr val="accent1">
+              <a:shade val="15000"/>
+            </a:schemeClr>
+          </a:lnRef>
+          <a:fillRef idx="1">
+            <a:schemeClr val="accent1"/>
+          </a:fillRef>
+          <a:effectRef idx="0">
+            <a:schemeClr val="accent1"/>
+          </a:effectRef>
+          <a:fontRef idx="minor">
+            <a:schemeClr val="lt1"/>
+          </a:fontRef>
+        </p:style>
+        <p:txBody>
+          <a:bodyPr rtlCol="0" anchor="ctr"/>
+          <a:lstStyle/>
+          <a:p>
+            <a:pPr algn="ctr"/>
+            <a:endParaRPr lang="en-US" dirty="0">
+              <a:solidFill>
+                <a:schemeClr val="accent1">
+                  <a:lumMod val="20000"/>
+                  <a:lumOff val="80000"/>
+                </a:schemeClr>
+              </a:solidFill>
+              <a:latin typeface="Oxygen" panose="02000503000000000000" pitchFamily="2" charset="0"/>
+            </a:endParaRPr>
+          </a:p>
+        </p:txBody>
+      </p:sp>
+      <p:sp>
+        <p:nvSpPr>
+          <p:cNvPr id="29" name="Rectangle: Rounded Corners 28">
+            <a:extLst>
+              <a:ext uri="{FF2B5EF4-FFF2-40B4-BE49-F238E27FC236}">
+                <a16:creationId xmlns:a16="http://schemas.microsoft.com/office/drawing/2014/main" id="{8609E2F6-6CF7-C323-232A-0B262A71CCF8}"/>
+              </a:ext>
+            </a:extLst>
+          </p:cNvPr>
+          <p:cNvSpPr/>
+          <p:nvPr/>
+        </p:nvSpPr>
+        <p:spPr>
+          <a:xfrm>
+            <a:off x="5073122" y="5378063"/>
+            <a:ext cx="1630680" cy="1293151"/>
+          </a:xfrm>
+          <a:prstGeom prst="roundRect">
+            <a:avLst/>
+          </a:prstGeom>
+          <a:solidFill>
+            <a:srgbClr val="00B0F0"/>
+          </a:solidFill>
+          <a:ln>
+            <a:noFill/>
+          </a:ln>
+        </p:spPr>
+        <p:style>
+          <a:lnRef idx="2">
+            <a:schemeClr val="accent1">
+              <a:shade val="15000"/>
+            </a:schemeClr>
+          </a:lnRef>
+          <a:fillRef idx="1">
+            <a:schemeClr val="accent1"/>
+          </a:fillRef>
+          <a:effectRef idx="0">
+            <a:schemeClr val="accent1"/>
+          </a:effectRef>
+          <a:fontRef idx="minor">
+            <a:schemeClr val="lt1"/>
+          </a:fontRef>
+        </p:style>
+        <p:txBody>
+          <a:bodyPr rtlCol="0" anchor="ctr"/>
+          <a:lstStyle/>
+          <a:p>
+            <a:pPr algn="ctr"/>
+            <a:r>
+              <a:rPr lang="en-US" b="1" dirty="0">
+                <a:solidFill>
+                  <a:schemeClr val="tx1">
+                    <a:lumMod val="65000"/>
+                    <a:lumOff val="35000"/>
+                  </a:schemeClr>
+                </a:solidFill>
+                <a:latin typeface="Oxygen" panose="02000503000000000000" pitchFamily="2" charset="0"/>
+              </a:rPr>
+              <a:t>AI Program</a:t>
+            </a:r>
+          </a:p>
+        </p:txBody>
+      </p:sp>
+      <p:sp>
+        <p:nvSpPr>
+          <p:cNvPr id="7" name="TextBox 6">
+            <a:extLst>
+              <a:ext uri="{FF2B5EF4-FFF2-40B4-BE49-F238E27FC236}">
+                <a16:creationId xmlns:a16="http://schemas.microsoft.com/office/drawing/2014/main" id="{C7D2A50D-4783-856B-4A6D-4E9598B4D3EF}"/>
+              </a:ext>
+            </a:extLst>
+          </p:cNvPr>
+          <p:cNvSpPr txBox="1"/>
+          <p:nvPr/>
+        </p:nvSpPr>
+        <p:spPr>
+          <a:xfrm>
+            <a:off x="1693894" y="186786"/>
+            <a:ext cx="8804212" cy="461665"/>
+          </a:xfrm>
+          <a:prstGeom prst="rect">
+            <a:avLst/>
+          </a:prstGeom>
+          <a:noFill/>
+        </p:spPr>
+        <p:txBody>
+          <a:bodyPr wrap="square" rtlCol="0">
+            <a:spAutoFit/>
+          </a:bodyPr>
+          <a:lstStyle/>
+          <a:p>
+            <a:pPr algn="ctr"/>
+            <a:r>
+              <a:rPr lang="en-US" sz="2400" b="1" cap="small" dirty="0">
+                <a:solidFill>
+                  <a:schemeClr val="tx1">
+                    <a:lumMod val="50000"/>
+                    <a:lumOff val="50000"/>
+                  </a:schemeClr>
+                </a:solidFill>
+                <a:latin typeface="Oxygen" panose="02000503000000000000" pitchFamily="2" charset="0"/>
+              </a:rPr>
+              <a:t>Data Science Applications</a:t>
+            </a:r>
+          </a:p>
+        </p:txBody>
+      </p:sp>
+      <p:pic>
+        <p:nvPicPr>
+          <p:cNvPr id="15" name="Picture 14">
+            <a:extLst>
+              <a:ext uri="{FF2B5EF4-FFF2-40B4-BE49-F238E27FC236}">
+                <a16:creationId xmlns:a16="http://schemas.microsoft.com/office/drawing/2014/main" id="{C344D70C-70F2-2D5C-3C8B-8E7AC0F38F1E}"/>
+              </a:ext>
+            </a:extLst>
+          </p:cNvPr>
+          <p:cNvPicPr>
+            <a:picLocks noChangeAspect="1"/>
+          </p:cNvPicPr>
+          <p:nvPr/>
+        </p:nvPicPr>
+        <p:blipFill>
+          <a:blip r:embed="rId3">
+            <a:extLst>
+              <a:ext uri="{28A0092B-C50C-407E-A947-70E740481C1C}">
+                <a14:useLocalDpi xmlns:a14="http://schemas.microsoft.com/office/drawing/2010/main" val="0"/>
+              </a:ext>
+            </a:extLst>
+          </a:blip>
+          <a:stretch>
+            <a:fillRect/>
+          </a:stretch>
+        </p:blipFill>
+        <p:spPr>
+          <a:xfrm>
+            <a:off x="315242" y="186786"/>
+            <a:ext cx="725875" cy="725875"/>
+          </a:xfrm>
+          <a:prstGeom prst="rect">
+            <a:avLst/>
+          </a:prstGeom>
+        </p:spPr>
+      </p:pic>
+      <p:sp>
+        <p:nvSpPr>
+          <p:cNvPr id="2" name="TextBox 1">
+            <a:extLst>
+              <a:ext uri="{FF2B5EF4-FFF2-40B4-BE49-F238E27FC236}">
+                <a16:creationId xmlns:a16="http://schemas.microsoft.com/office/drawing/2014/main" id="{C16D36ED-5374-F451-D99A-93ACFD3519A0}"/>
+              </a:ext>
+            </a:extLst>
+          </p:cNvPr>
+          <p:cNvSpPr txBox="1"/>
+          <p:nvPr/>
+        </p:nvSpPr>
+        <p:spPr>
+          <a:xfrm>
+            <a:off x="1791051" y="832827"/>
+            <a:ext cx="9627226" cy="830805"/>
+          </a:xfrm>
+          <a:prstGeom prst="rect">
+            <a:avLst/>
+          </a:prstGeom>
+          <a:noFill/>
+        </p:spPr>
+        <p:txBody>
+          <a:bodyPr wrap="square" rtlCol="0">
+            <a:spAutoFit/>
+          </a:bodyPr>
+          <a:lstStyle/>
+          <a:p>
+            <a:pPr>
+              <a:lnSpc>
+                <a:spcPct val="150000"/>
+              </a:lnSpc>
+            </a:pPr>
+            <a:r>
+              <a:rPr lang="en-US" b="1" dirty="0">
+                <a:solidFill>
+                  <a:schemeClr val="tx1">
+                    <a:lumMod val="50000"/>
+                    <a:lumOff val="50000"/>
+                  </a:schemeClr>
+                </a:solidFill>
+                <a:latin typeface="Oxygen" panose="02000503000000000000" pitchFamily="2" charset="0"/>
+              </a:rPr>
+              <a:t>Real Estate Price Prediction</a:t>
+            </a:r>
+            <a:endParaRPr lang="en-US" dirty="0">
+              <a:solidFill>
+                <a:schemeClr val="tx1">
+                  <a:lumMod val="50000"/>
+                  <a:lumOff val="50000"/>
+                </a:schemeClr>
+              </a:solidFill>
+              <a:latin typeface="Oxygen" panose="02000503000000000000" pitchFamily="2" charset="0"/>
+            </a:endParaRPr>
+          </a:p>
+          <a:p>
+            <a:pPr marL="285750" indent="-285750">
+              <a:lnSpc>
+                <a:spcPct val="150000"/>
+              </a:lnSpc>
+              <a:buFont typeface="Arial" panose="020B0604020202020204" pitchFamily="34" charset="0"/>
+              <a:buChar char="•"/>
+            </a:pPr>
+            <a:r>
+              <a:rPr lang="en-US" sz="1600" dirty="0">
+                <a:solidFill>
+                  <a:schemeClr val="tx1">
+                    <a:lumMod val="50000"/>
+                    <a:lumOff val="50000"/>
+                  </a:schemeClr>
+                </a:solidFill>
+                <a:latin typeface="Oxygen" panose="02000503000000000000" pitchFamily="2" charset="0"/>
+              </a:rPr>
+              <a:t>Input params</a:t>
+            </a:r>
+            <a:endParaRPr lang="en-US" sz="1600" b="1" dirty="0">
+              <a:solidFill>
+                <a:schemeClr val="tx1">
+                  <a:lumMod val="50000"/>
+                  <a:lumOff val="50000"/>
+                </a:schemeClr>
+              </a:solidFill>
+              <a:latin typeface="Oxygen" panose="02000503000000000000" pitchFamily="2" charset="0"/>
+            </a:endParaRPr>
+          </a:p>
+        </p:txBody>
+      </p:sp>
+      <p:sp>
+        <p:nvSpPr>
+          <p:cNvPr id="1024" name="Arrow: Right 1023">
+            <a:extLst>
+              <a:ext uri="{FF2B5EF4-FFF2-40B4-BE49-F238E27FC236}">
+                <a16:creationId xmlns:a16="http://schemas.microsoft.com/office/drawing/2014/main" id="{A44B4FCF-340B-3021-DD65-04734BF0DE11}"/>
+              </a:ext>
+            </a:extLst>
+          </p:cNvPr>
+          <p:cNvSpPr/>
+          <p:nvPr/>
+        </p:nvSpPr>
+        <p:spPr>
+          <a:xfrm rot="5400000">
+            <a:off x="5252207" y="4275290"/>
+            <a:ext cx="1359879" cy="874782"/>
+          </a:xfrm>
+          <a:prstGeom prst="rightArrow">
+            <a:avLst>
+              <a:gd name="adj1" fmla="val 64918"/>
+              <a:gd name="adj2" fmla="val 50000"/>
+            </a:avLst>
+          </a:prstGeom>
+          <a:solidFill>
+            <a:srgbClr val="FF0000"/>
+          </a:solidFill>
+          <a:ln>
+            <a:noFill/>
+          </a:ln>
+        </p:spPr>
+        <p:style>
+          <a:lnRef idx="2">
+            <a:schemeClr val="accent1">
+              <a:shade val="15000"/>
+            </a:schemeClr>
+          </a:lnRef>
+          <a:fillRef idx="1">
+            <a:schemeClr val="accent1"/>
+          </a:fillRef>
+          <a:effectRef idx="0">
+            <a:schemeClr val="accent1"/>
+          </a:effectRef>
+          <a:fontRef idx="minor">
+            <a:schemeClr val="lt1"/>
+          </a:fontRef>
+        </p:style>
+        <p:txBody>
+          <a:bodyPr rtlCol="0" anchor="ctr"/>
+          <a:lstStyle/>
+          <a:p>
+            <a:pPr algn="ctr"/>
+            <a:r>
+              <a:rPr lang="en-US" sz="1600" dirty="0">
+                <a:solidFill>
+                  <a:schemeClr val="bg1">
+                    <a:lumMod val="75000"/>
+                  </a:schemeClr>
+                </a:solidFill>
+                <a:latin typeface="Oxygen" panose="02000503000000000000" pitchFamily="2" charset="0"/>
+              </a:rPr>
+              <a:t>Previous Examples</a:t>
+            </a:r>
+          </a:p>
+        </p:txBody>
+      </p:sp>
+      <p:sp>
+        <p:nvSpPr>
+          <p:cNvPr id="16" name="Arrow: Right 15">
+            <a:extLst>
+              <a:ext uri="{FF2B5EF4-FFF2-40B4-BE49-F238E27FC236}">
+                <a16:creationId xmlns:a16="http://schemas.microsoft.com/office/drawing/2014/main" id="{C48D73A5-28DC-B3F4-6CF0-F00BC7ABC29A}"/>
+              </a:ext>
+            </a:extLst>
+          </p:cNvPr>
+          <p:cNvSpPr/>
+          <p:nvPr/>
+        </p:nvSpPr>
+        <p:spPr>
+          <a:xfrm>
+            <a:off x="6703803" y="5643936"/>
+            <a:ext cx="1444723" cy="715090"/>
+          </a:xfrm>
+          <a:prstGeom prst="rightArrow">
+            <a:avLst>
+              <a:gd name="adj1" fmla="val 64918"/>
+              <a:gd name="adj2" fmla="val 50000"/>
+            </a:avLst>
+          </a:prstGeom>
+          <a:solidFill>
+            <a:schemeClr val="bg2">
+              <a:lumMod val="25000"/>
+            </a:schemeClr>
+          </a:solidFill>
+          <a:ln>
+            <a:noFill/>
+          </a:ln>
+        </p:spPr>
+        <p:style>
+          <a:lnRef idx="2">
+            <a:schemeClr val="accent1">
+              <a:shade val="15000"/>
+            </a:schemeClr>
+          </a:lnRef>
+          <a:fillRef idx="1">
+            <a:schemeClr val="accent1"/>
+          </a:fillRef>
+          <a:effectRef idx="0">
+            <a:schemeClr val="accent1"/>
+          </a:effectRef>
+          <a:fontRef idx="minor">
+            <a:schemeClr val="lt1"/>
+          </a:fontRef>
+        </p:style>
+        <p:txBody>
+          <a:bodyPr rtlCol="0" anchor="ctr"/>
+          <a:lstStyle/>
+          <a:p>
+            <a:pPr algn="ctr"/>
+            <a:r>
+              <a:rPr lang="en-US" sz="1600" dirty="0">
+                <a:solidFill>
+                  <a:schemeClr val="bg1">
+                    <a:lumMod val="75000"/>
+                  </a:schemeClr>
+                </a:solidFill>
+                <a:latin typeface="Oxygen" panose="02000503000000000000" pitchFamily="2" charset="0"/>
+              </a:rPr>
+              <a:t>Output</a:t>
+            </a:r>
+          </a:p>
+        </p:txBody>
+      </p:sp>
+      <p:sp>
+        <p:nvSpPr>
+          <p:cNvPr id="14" name="Arrow: Right 13">
+            <a:extLst>
+              <a:ext uri="{FF2B5EF4-FFF2-40B4-BE49-F238E27FC236}">
+                <a16:creationId xmlns:a16="http://schemas.microsoft.com/office/drawing/2014/main" id="{2FE4C11A-7EBC-99E2-95CE-4E680C6CD19D}"/>
+              </a:ext>
+            </a:extLst>
+          </p:cNvPr>
+          <p:cNvSpPr/>
+          <p:nvPr/>
+        </p:nvSpPr>
+        <p:spPr>
+          <a:xfrm>
+            <a:off x="3628399" y="5643936"/>
+            <a:ext cx="1444723" cy="715090"/>
+          </a:xfrm>
+          <a:prstGeom prst="rightArrow">
+            <a:avLst>
+              <a:gd name="adj1" fmla="val 64918"/>
+              <a:gd name="adj2" fmla="val 50000"/>
+            </a:avLst>
+          </a:prstGeom>
+          <a:solidFill>
+            <a:schemeClr val="bg2">
+              <a:lumMod val="25000"/>
+            </a:schemeClr>
+          </a:solidFill>
+          <a:ln>
+            <a:noFill/>
+          </a:ln>
+        </p:spPr>
+        <p:style>
+          <a:lnRef idx="2">
+            <a:schemeClr val="accent1">
+              <a:shade val="15000"/>
+            </a:schemeClr>
+          </a:lnRef>
+          <a:fillRef idx="1">
+            <a:schemeClr val="accent1"/>
+          </a:fillRef>
+          <a:effectRef idx="0">
+            <a:schemeClr val="accent1"/>
+          </a:effectRef>
+          <a:fontRef idx="minor">
+            <a:schemeClr val="lt1"/>
+          </a:fontRef>
+        </p:style>
+        <p:txBody>
+          <a:bodyPr rtlCol="0" anchor="ctr"/>
+          <a:lstStyle/>
+          <a:p>
+            <a:pPr algn="ctr"/>
+            <a:r>
+              <a:rPr lang="en-US" sz="1600" dirty="0">
+                <a:solidFill>
+                  <a:schemeClr val="bg1">
+                    <a:lumMod val="75000"/>
+                  </a:schemeClr>
+                </a:solidFill>
+                <a:latin typeface="Oxygen" panose="02000503000000000000" pitchFamily="2" charset="0"/>
+              </a:rPr>
+              <a:t>Input</a:t>
+            </a:r>
+          </a:p>
+        </p:txBody>
+      </p:sp>
+      <p:pic>
+        <p:nvPicPr>
+          <p:cNvPr id="1028" name="Picture 4">
+            <a:extLst>
+              <a:ext uri="{FF2B5EF4-FFF2-40B4-BE49-F238E27FC236}">
+                <a16:creationId xmlns:a16="http://schemas.microsoft.com/office/drawing/2014/main" id="{7C2C132D-0DA3-BCC0-9543-CF651BB81B58}"/>
+              </a:ext>
+            </a:extLst>
+          </p:cNvPr>
+          <p:cNvPicPr>
+            <a:picLocks noChangeAspect="1" noChangeArrowheads="1"/>
+          </p:cNvPicPr>
+          <p:nvPr/>
+        </p:nvPicPr>
+        <p:blipFill>
+          <a:blip r:embed="rId4">
+            <a:extLst>
+              <a:ext uri="{28A0092B-C50C-407E-A947-70E740481C1C}">
+                <a14:useLocalDpi xmlns:a14="http://schemas.microsoft.com/office/drawing/2010/main" val="0"/>
+              </a:ext>
+            </a:extLst>
+          </a:blip>
+          <a:srcRect/>
+          <a:stretch>
+            <a:fillRect/>
+          </a:stretch>
+        </p:blipFill>
+        <p:spPr bwMode="auto">
+          <a:xfrm>
+            <a:off x="372259" y="2661541"/>
+            <a:ext cx="2185169" cy="2185169"/>
+          </a:xfrm>
+          <a:prstGeom prst="rect">
+            <a:avLst/>
+          </a:prstGeom>
+          <a:noFill/>
+          <a:extLst>
+            <a:ext uri="{909E8E84-426E-40DD-AFC4-6F175D3DCCD1}">
+              <a14:hiddenFill xmlns:a14="http://schemas.microsoft.com/office/drawing/2010/main">
+                <a:solidFill>
+                  <a:srgbClr val="FFFFFF"/>
+                </a:solidFill>
+              </a14:hiddenFill>
+            </a:ext>
+          </a:extLst>
+        </p:spPr>
+      </p:pic>
+    </p:spTree>
+    <p:extLst>
+      <p:ext uri="{BB962C8B-B14F-4D97-AF65-F5344CB8AC3E}">
+        <p14:creationId xmlns:p14="http://schemas.microsoft.com/office/powerpoint/2010/main" val="1551695322"/>
+      </p:ext>
+    </p:extLst>
+  </p:cSld>
+  <p:clrMapOvr>
+    <a:masterClrMapping/>
+  </p:clrMapOvr>
+  <p:timing>
+    <p:tnLst>
+      <p:par>
+        <p:cTn id="1" dur="indefinite" restart="never" nodeType="tmRoot">
+          <p:childTnLst>
+            <p:seq concurrent="1" nextAc="seek">
+              <p:cTn id="2" dur="indefinite" nodeType="mainSeq">
+                <p:childTnLst>
+                  <p:par>
+                    <p:cTn id="3" fill="hold">
+                      <p:stCondLst>
+                        <p:cond delay="indefinite"/>
+                      </p:stCondLst>
+                      <p:childTnLst>
+                        <p:par>
+                          <p:cTn id="4" fill="hold">
+                            <p:stCondLst>
+                              <p:cond delay="0"/>
+                            </p:stCondLst>
+                            <p:childTnLst>
+                              <p:par>
+                                <p:cTn id="5" presetID="1" presetClass="entr" presetSubtype="0" fill="hold" nodeType="clickEffect">
+                                  <p:stCondLst>
+                                    <p:cond delay="0"/>
+                                  </p:stCondLst>
+                                  <p:childTnLst>
+                                    <p:set>
+                                      <p:cBhvr>
+                                        <p:cTn id="6" dur="1" fill="hold">
+                                          <p:stCondLst>
+                                            <p:cond delay="0"/>
+                                          </p:stCondLst>
+                                        </p:cTn>
+                                        <p:tgtEl>
+                                          <p:spTgt spid="2">
+                                            <p:txEl>
+                                              <p:pRg st="0" end="0"/>
+                                            </p:txEl>
+                                          </p:spTgt>
+                                        </p:tgtEl>
+                                        <p:attrNameLst>
+                                          <p:attrName>style.visibility</p:attrName>
+                                        </p:attrNameLst>
+                                      </p:cBhvr>
+                                      <p:to>
+                                        <p:strVal val="visible"/>
+                                      </p:to>
+                                    </p:set>
+                                  </p:childTnLst>
+                                </p:cTn>
+                              </p:par>
+                            </p:childTnLst>
+                          </p:cTn>
+                        </p:par>
+                      </p:childTnLst>
+                    </p:cTn>
+                  </p:par>
+                  <p:par>
+                    <p:cTn id="7" fill="hold">
+                      <p:stCondLst>
+                        <p:cond delay="indefinite"/>
+                      </p:stCondLst>
+                      <p:childTnLst>
+                        <p:par>
+                          <p:cTn id="8" fill="hold">
+                            <p:stCondLst>
+                              <p:cond delay="0"/>
+                            </p:stCondLst>
+                            <p:childTnLst>
+                              <p:par>
+                                <p:cTn id="9" presetID="1" presetClass="entr" presetSubtype="0" fill="hold" nodeType="clickEffect">
+                                  <p:stCondLst>
+                                    <p:cond delay="0"/>
+                                  </p:stCondLst>
+                                  <p:childTnLst>
+                                    <p:set>
+                                      <p:cBhvr>
+                                        <p:cTn id="10" dur="1" fill="hold">
+                                          <p:stCondLst>
+                                            <p:cond delay="0"/>
+                                          </p:stCondLst>
+                                        </p:cTn>
+                                        <p:tgtEl>
+                                          <p:spTgt spid="2">
+                                            <p:txEl>
+                                              <p:pRg st="1" end="1"/>
+                                            </p:txEl>
+                                          </p:spTgt>
+                                        </p:tgtEl>
+                                        <p:attrNameLst>
+                                          <p:attrName>style.visibility</p:attrName>
+                                        </p:attrNameLst>
+                                      </p:cBhvr>
+                                      <p:to>
+                                        <p:strVal val="visible"/>
+                                      </p:to>
+                                    </p:set>
+                                  </p:childTnLst>
+                                </p:cTn>
+                              </p:par>
+                            </p:childTnLst>
+                          </p:cTn>
+                        </p:par>
+                      </p:childTnLst>
+                    </p:cTn>
+                  </p:par>
+                  <p:par>
+                    <p:cTn id="11" fill="hold">
+                      <p:stCondLst>
+                        <p:cond delay="indefinite"/>
+                      </p:stCondLst>
+                      <p:childTnLst>
+                        <p:par>
+                          <p:cTn id="12" fill="hold">
+                            <p:stCondLst>
+                              <p:cond delay="0"/>
+                            </p:stCondLst>
+                            <p:childTnLst>
+                              <p:par>
+                                <p:cTn id="13" presetID="1" presetClass="entr" presetSubtype="0" fill="hold" grpId="0" nodeType="clickEffect">
+                                  <p:stCondLst>
+                                    <p:cond delay="0"/>
+                                  </p:stCondLst>
+                                  <p:childTnLst>
+                                    <p:set>
+                                      <p:cBhvr>
+                                        <p:cTn id="14" dur="1" fill="hold">
+                                          <p:stCondLst>
+                                            <p:cond delay="0"/>
+                                          </p:stCondLst>
+                                        </p:cTn>
+                                        <p:tgtEl>
+                                          <p:spTgt spid="29"/>
+                                        </p:tgtEl>
+                                        <p:attrNameLst>
+                                          <p:attrName>style.visibility</p:attrName>
+                                        </p:attrNameLst>
+                                      </p:cBhvr>
+                                      <p:to>
+                                        <p:strVal val="visible"/>
+                                      </p:to>
+                                    </p:set>
+                                  </p:childTnLst>
+                                </p:cTn>
+                              </p:par>
+                              <p:par>
+                                <p:cTn id="15" presetID="1" presetClass="entr" presetSubtype="0" fill="hold" grpId="0" nodeType="withEffect">
+                                  <p:stCondLst>
+                                    <p:cond delay="0"/>
+                                  </p:stCondLst>
+                                  <p:childTnLst>
+                                    <p:set>
+                                      <p:cBhvr>
+                                        <p:cTn id="16" dur="1" fill="hold">
+                                          <p:stCondLst>
+                                            <p:cond delay="0"/>
+                                          </p:stCondLst>
+                                        </p:cTn>
+                                        <p:tgtEl>
+                                          <p:spTgt spid="1024"/>
+                                        </p:tgtEl>
+                                        <p:attrNameLst>
+                                          <p:attrName>style.visibility</p:attrName>
+                                        </p:attrNameLst>
+                                      </p:cBhvr>
+                                      <p:to>
+                                        <p:strVal val="visible"/>
+                                      </p:to>
+                                    </p:set>
+                                  </p:childTnLst>
+                                </p:cTn>
+                              </p:par>
+                            </p:childTnLst>
+                          </p:cTn>
+                        </p:par>
+                      </p:childTnLst>
+                    </p:cTn>
+                  </p:par>
+                  <p:par>
+                    <p:cTn id="17" fill="hold">
+                      <p:stCondLst>
+                        <p:cond delay="indefinite"/>
+                      </p:stCondLst>
+                      <p:childTnLst>
+                        <p:par>
+                          <p:cTn id="18" fill="hold">
+                            <p:stCondLst>
+                              <p:cond delay="0"/>
+                            </p:stCondLst>
+                            <p:childTnLst>
+                              <p:par>
+                                <p:cTn id="19" presetID="1" presetClass="entr" presetSubtype="0" fill="hold" grpId="0" nodeType="clickEffect">
+                                  <p:stCondLst>
+                                    <p:cond delay="0"/>
+                                  </p:stCondLst>
+                                  <p:childTnLst>
+                                    <p:set>
+                                      <p:cBhvr>
+                                        <p:cTn id="20" dur="1" fill="hold">
+                                          <p:stCondLst>
+                                            <p:cond delay="0"/>
+                                          </p:stCondLst>
+                                        </p:cTn>
+                                        <p:tgtEl>
+                                          <p:spTgt spid="1027"/>
+                                        </p:tgtEl>
+                                        <p:attrNameLst>
+                                          <p:attrName>style.visibility</p:attrName>
+                                        </p:attrNameLst>
+                                      </p:cBhvr>
+                                      <p:to>
+                                        <p:strVal val="visible"/>
+                                      </p:to>
+                                    </p:set>
+                                  </p:childTnLst>
+                                </p:cTn>
+                              </p:par>
+                              <p:par>
+                                <p:cTn id="21" presetID="1" presetClass="entr" presetSubtype="0" fill="hold" grpId="0" nodeType="withEffect">
+                                  <p:stCondLst>
+                                    <p:cond delay="0"/>
+                                  </p:stCondLst>
+                                  <p:childTnLst>
+                                    <p:set>
+                                      <p:cBhvr>
+                                        <p:cTn id="22" dur="1" fill="hold">
+                                          <p:stCondLst>
+                                            <p:cond delay="0"/>
+                                          </p:stCondLst>
+                                        </p:cTn>
+                                        <p:tgtEl>
+                                          <p:spTgt spid="14"/>
+                                        </p:tgtEl>
+                                        <p:attrNameLst>
+                                          <p:attrName>style.visibility</p:attrName>
+                                        </p:attrNameLst>
+                                      </p:cBhvr>
+                                      <p:to>
+                                        <p:strVal val="visible"/>
+                                      </p:to>
+                                    </p:set>
+                                  </p:childTnLst>
+                                </p:cTn>
+                              </p:par>
+                            </p:childTnLst>
+                          </p:cTn>
+                        </p:par>
+                      </p:childTnLst>
+                    </p:cTn>
+                  </p:par>
+                  <p:par>
+                    <p:cTn id="23" fill="hold">
+                      <p:stCondLst>
+                        <p:cond delay="indefinite"/>
+                      </p:stCondLst>
+                      <p:childTnLst>
+                        <p:par>
+                          <p:cTn id="24" fill="hold">
+                            <p:stCondLst>
+                              <p:cond delay="0"/>
+                            </p:stCondLst>
+                            <p:childTnLst>
+                              <p:par>
+                                <p:cTn id="25" presetID="1" presetClass="entr" presetSubtype="0" fill="hold" grpId="0" nodeType="clickEffect">
+                                  <p:stCondLst>
+                                    <p:cond delay="0"/>
+                                  </p:stCondLst>
+                                  <p:childTnLst>
+                                    <p:set>
+                                      <p:cBhvr>
+                                        <p:cTn id="26" dur="1" fill="hold">
+                                          <p:stCondLst>
+                                            <p:cond delay="0"/>
+                                          </p:stCondLst>
+                                        </p:cTn>
+                                        <p:tgtEl>
+                                          <p:spTgt spid="1026"/>
+                                        </p:tgtEl>
+                                        <p:attrNameLst>
+                                          <p:attrName>style.visibility</p:attrName>
+                                        </p:attrNameLst>
+                                      </p:cBhvr>
+                                      <p:to>
+                                        <p:strVal val="visible"/>
+                                      </p:to>
+                                    </p:set>
+                                  </p:childTnLst>
+                                </p:cTn>
+                              </p:par>
+                              <p:par>
+                                <p:cTn id="27" presetID="1" presetClass="entr" presetSubtype="0" fill="hold" grpId="0" nodeType="withEffect">
+                                  <p:stCondLst>
+                                    <p:cond delay="0"/>
+                                  </p:stCondLst>
+                                  <p:childTnLst>
+                                    <p:set>
+                                      <p:cBhvr>
+                                        <p:cTn id="28" dur="1" fill="hold">
+                                          <p:stCondLst>
+                                            <p:cond delay="0"/>
+                                          </p:stCondLst>
+                                        </p:cTn>
+                                        <p:tgtEl>
+                                          <p:spTgt spid="16"/>
+                                        </p:tgtEl>
+                                        <p:attrNameLst>
+                                          <p:attrName>style.visibility</p:attrName>
+                                        </p:attrNameLst>
+                                      </p:cBhvr>
+                                      <p:to>
+                                        <p:strVal val="visible"/>
+                                      </p:to>
+                                    </p:set>
+                                  </p:childTnLst>
+                                </p:cTn>
+                              </p:par>
+                            </p:childTnLst>
+                          </p:cTn>
+                        </p:par>
+                      </p:childTnLst>
+                    </p:cTn>
+                  </p:par>
+                </p:childTnLst>
+              </p:cTn>
+              <p:prevCondLst>
+                <p:cond evt="onPrev" delay="0">
+                  <p:tgtEl>
+                    <p:sldTgt/>
+                  </p:tgtEl>
+                </p:cond>
+              </p:prevCondLst>
+              <p:nextCondLst>
+                <p:cond evt="onNext" delay="0">
+                  <p:tgtEl>
+                    <p:sldTgt/>
+                  </p:tgtEl>
+                </p:cond>
+              </p:nextCondLst>
+            </p:seq>
+          </p:childTnLst>
+        </p:cTn>
+      </p:par>
+    </p:tnLst>
+    <p:bldLst>
+      <p:bldP spid="1027" grpId="0" animBg="1"/>
+      <p:bldP spid="1026" grpId="0" animBg="1"/>
+      <p:bldP spid="29" grpId="0" animBg="1"/>
+      <p:bldP spid="1024" grpId="0" animBg="1"/>
+      <p:bldP spid="16" grpId="0" animBg="1"/>
+      <p:bldP spid="14" grpId="0" animBg="1"/>
+    </p:bldLst>
+  </p:timing>
+</p:sld>
+</file>
+
+<file path=ppt/slides/slide5.xml><?xml version="1.0" encoding="utf-8"?>
+<p:sld xmlns:a="http://schemas.openxmlformats.org/drawingml/2006/main" xmlns:r="http://schemas.openxmlformats.org/officeDocument/2006/relationships" xmlns:p="http://schemas.openxmlformats.org/presentationml/2006/main">
+  <p:cSld>
+    <p:spTree>
+      <p:nvGrpSpPr>
+        <p:cNvPr id="1" name="">
+          <a:extLst>
+            <a:ext uri="{FF2B5EF4-FFF2-40B4-BE49-F238E27FC236}">
               <a16:creationId xmlns:a16="http://schemas.microsoft.com/office/drawing/2014/main" id="{A23C57E8-D26B-91E3-47A4-A62CC0679617}"/>
             </a:ext>
           </a:extLst>
@@ -9346,7 +10443,7 @@
 </p:sld>
 </file>
 
-<file path=ppt/slides/slide5.xml><?xml version="1.0" encoding="utf-8"?>
+<file path=ppt/slides/slide6.xml><?xml version="1.0" encoding="utf-8"?>
 <p:sld xmlns:a="http://schemas.openxmlformats.org/drawingml/2006/main" xmlns:r="http://schemas.openxmlformats.org/officeDocument/2006/relationships" xmlns:p="http://schemas.openxmlformats.org/presentationml/2006/main">
   <p:cSld>
     <p:spTree>
